--- a/Estrategia del proyecto/PD Presentacion.pptx
+++ b/Estrategia del proyecto/PD Presentacion.pptx
@@ -113,7 +113,7 @@
   </p:defaultTextStyle>
   <p:extLst>
     <p:ext uri="{EFAFB233-063F-42B5-8137-9DF3F51BA10A}">
-      <p15:sldGuideLst xmlns:p15="http://schemas.microsoft.com/office/powerpoint/2012/main" xmlns=""/>
+      <p15:sldGuideLst xmlns="" xmlns:p15="http://schemas.microsoft.com/office/powerpoint/2012/main"/>
     </p:ext>
   </p:extLst>
 </p:presentation>
@@ -141,7 +141,7 @@
           <p:cNvPr id="2" name="Título 1">
             <a:extLst>
               <a:ext uri="{FF2B5EF4-FFF2-40B4-BE49-F238E27FC236}">
-                <a16:creationId xmlns:a16="http://schemas.microsoft.com/office/drawing/2014/main" xmlns="" id="{3427C7C6-89F9-426D-88E7-08B5099332E9}"/>
+                <a16:creationId xmlns="" xmlns:a16="http://schemas.microsoft.com/office/drawing/2014/main" id="{3427C7C6-89F9-426D-88E7-08B5099332E9}"/>
               </a:ext>
             </a:extLst>
           </p:cNvPr>
@@ -179,7 +179,7 @@
           <p:cNvPr id="3" name="Subtítulo 2">
             <a:extLst>
               <a:ext uri="{FF2B5EF4-FFF2-40B4-BE49-F238E27FC236}">
-                <a16:creationId xmlns:a16="http://schemas.microsoft.com/office/drawing/2014/main" xmlns="" id="{E5506813-D075-41C5-A203-87E97DF21869}"/>
+                <a16:creationId xmlns="" xmlns:a16="http://schemas.microsoft.com/office/drawing/2014/main" id="{E5506813-D075-41C5-A203-87E97DF21869}"/>
               </a:ext>
             </a:extLst>
           </p:cNvPr>
@@ -250,7 +250,7 @@
           <p:cNvPr id="4" name="Marcador de fecha 3">
             <a:extLst>
               <a:ext uri="{FF2B5EF4-FFF2-40B4-BE49-F238E27FC236}">
-                <a16:creationId xmlns:a16="http://schemas.microsoft.com/office/drawing/2014/main" xmlns="" id="{7133DFC8-540E-4CD9-8046-C6B7C40C9DD7}"/>
+                <a16:creationId xmlns="" xmlns:a16="http://schemas.microsoft.com/office/drawing/2014/main" id="{7133DFC8-540E-4CD9-8046-C6B7C40C9DD7}"/>
               </a:ext>
             </a:extLst>
           </p:cNvPr>
@@ -279,7 +279,7 @@
           <p:cNvPr id="5" name="Marcador de pie de página 4">
             <a:extLst>
               <a:ext uri="{FF2B5EF4-FFF2-40B4-BE49-F238E27FC236}">
-                <a16:creationId xmlns:a16="http://schemas.microsoft.com/office/drawing/2014/main" xmlns="" id="{2E4143DA-C7F2-4F64-AE4A-2E295763D743}"/>
+                <a16:creationId xmlns="" xmlns:a16="http://schemas.microsoft.com/office/drawing/2014/main" id="{2E4143DA-C7F2-4F64-AE4A-2E295763D743}"/>
               </a:ext>
             </a:extLst>
           </p:cNvPr>
@@ -304,7 +304,7 @@
           <p:cNvPr id="6" name="Marcador de número de diapositiva 5">
             <a:extLst>
               <a:ext uri="{FF2B5EF4-FFF2-40B4-BE49-F238E27FC236}">
-                <a16:creationId xmlns:a16="http://schemas.microsoft.com/office/drawing/2014/main" xmlns="" id="{8438A754-0758-479E-AF48-02D3F67AD072}"/>
+                <a16:creationId xmlns="" xmlns:a16="http://schemas.microsoft.com/office/drawing/2014/main" id="{8438A754-0758-479E-AF48-02D3F67AD072}"/>
               </a:ext>
             </a:extLst>
           </p:cNvPr>
@@ -363,7 +363,7 @@
           <p:cNvPr id="2" name="Título 1">
             <a:extLst>
               <a:ext uri="{FF2B5EF4-FFF2-40B4-BE49-F238E27FC236}">
-                <a16:creationId xmlns:a16="http://schemas.microsoft.com/office/drawing/2014/main" xmlns="" id="{3ECAE30C-FC5F-49E5-AD78-DEEDFD0C5139}"/>
+                <a16:creationId xmlns="" xmlns:a16="http://schemas.microsoft.com/office/drawing/2014/main" id="{3ECAE30C-FC5F-49E5-AD78-DEEDFD0C5139}"/>
               </a:ext>
             </a:extLst>
           </p:cNvPr>
@@ -392,7 +392,7 @@
           <p:cNvPr id="3" name="Marcador de texto vertical 2">
             <a:extLst>
               <a:ext uri="{FF2B5EF4-FFF2-40B4-BE49-F238E27FC236}">
-                <a16:creationId xmlns:a16="http://schemas.microsoft.com/office/drawing/2014/main" xmlns="" id="{2958F268-4B3F-46CC-9C9D-AABF22B433C5}"/>
+                <a16:creationId xmlns="" xmlns:a16="http://schemas.microsoft.com/office/drawing/2014/main" id="{2958F268-4B3F-46CC-9C9D-AABF22B433C5}"/>
               </a:ext>
             </a:extLst>
           </p:cNvPr>
@@ -450,7 +450,7 @@
           <p:cNvPr id="4" name="Marcador de fecha 3">
             <a:extLst>
               <a:ext uri="{FF2B5EF4-FFF2-40B4-BE49-F238E27FC236}">
-                <a16:creationId xmlns:a16="http://schemas.microsoft.com/office/drawing/2014/main" xmlns="" id="{D88A9BB5-B621-476A-A1EB-2641F14FF78E}"/>
+                <a16:creationId xmlns="" xmlns:a16="http://schemas.microsoft.com/office/drawing/2014/main" id="{D88A9BB5-B621-476A-A1EB-2641F14FF78E}"/>
               </a:ext>
             </a:extLst>
           </p:cNvPr>
@@ -479,7 +479,7 @@
           <p:cNvPr id="5" name="Marcador de pie de página 4">
             <a:extLst>
               <a:ext uri="{FF2B5EF4-FFF2-40B4-BE49-F238E27FC236}">
-                <a16:creationId xmlns:a16="http://schemas.microsoft.com/office/drawing/2014/main" xmlns="" id="{C61D8C5A-3061-4328-B6E2-EFC338EEDC3C}"/>
+                <a16:creationId xmlns="" xmlns:a16="http://schemas.microsoft.com/office/drawing/2014/main" id="{C61D8C5A-3061-4328-B6E2-EFC338EEDC3C}"/>
               </a:ext>
             </a:extLst>
           </p:cNvPr>
@@ -504,7 +504,7 @@
           <p:cNvPr id="6" name="Marcador de número de diapositiva 5">
             <a:extLst>
               <a:ext uri="{FF2B5EF4-FFF2-40B4-BE49-F238E27FC236}">
-                <a16:creationId xmlns:a16="http://schemas.microsoft.com/office/drawing/2014/main" xmlns="" id="{C2EF94D4-3977-4464-B1F2-B18A948D5C03}"/>
+                <a16:creationId xmlns="" xmlns:a16="http://schemas.microsoft.com/office/drawing/2014/main" id="{C2EF94D4-3977-4464-B1F2-B18A948D5C03}"/>
               </a:ext>
             </a:extLst>
           </p:cNvPr>
@@ -563,7 +563,7 @@
           <p:cNvPr id="2" name="Título vertical 1">
             <a:extLst>
               <a:ext uri="{FF2B5EF4-FFF2-40B4-BE49-F238E27FC236}">
-                <a16:creationId xmlns:a16="http://schemas.microsoft.com/office/drawing/2014/main" xmlns="" id="{3258D25C-11E1-4522-8F2A-9E9A41FDD9B6}"/>
+                <a16:creationId xmlns="" xmlns:a16="http://schemas.microsoft.com/office/drawing/2014/main" id="{3258D25C-11E1-4522-8F2A-9E9A41FDD9B6}"/>
               </a:ext>
             </a:extLst>
           </p:cNvPr>
@@ -597,7 +597,7 @@
           <p:cNvPr id="3" name="Marcador de texto vertical 2">
             <a:extLst>
               <a:ext uri="{FF2B5EF4-FFF2-40B4-BE49-F238E27FC236}">
-                <a16:creationId xmlns:a16="http://schemas.microsoft.com/office/drawing/2014/main" xmlns="" id="{9E60E020-0E07-43CD-846D-B6A619D5B8AE}"/>
+                <a16:creationId xmlns="" xmlns:a16="http://schemas.microsoft.com/office/drawing/2014/main" id="{9E60E020-0E07-43CD-846D-B6A619D5B8AE}"/>
               </a:ext>
             </a:extLst>
           </p:cNvPr>
@@ -660,7 +660,7 @@
           <p:cNvPr id="4" name="Marcador de fecha 3">
             <a:extLst>
               <a:ext uri="{FF2B5EF4-FFF2-40B4-BE49-F238E27FC236}">
-                <a16:creationId xmlns:a16="http://schemas.microsoft.com/office/drawing/2014/main" xmlns="" id="{B2F3BD87-6B97-4F5E-ADB0-2EECD77123BF}"/>
+                <a16:creationId xmlns="" xmlns:a16="http://schemas.microsoft.com/office/drawing/2014/main" id="{B2F3BD87-6B97-4F5E-ADB0-2EECD77123BF}"/>
               </a:ext>
             </a:extLst>
           </p:cNvPr>
@@ -689,7 +689,7 @@
           <p:cNvPr id="5" name="Marcador de pie de página 4">
             <a:extLst>
               <a:ext uri="{FF2B5EF4-FFF2-40B4-BE49-F238E27FC236}">
-                <a16:creationId xmlns:a16="http://schemas.microsoft.com/office/drawing/2014/main" xmlns="" id="{7E1C9C55-C49D-43C4-B869-CB83DD961014}"/>
+                <a16:creationId xmlns="" xmlns:a16="http://schemas.microsoft.com/office/drawing/2014/main" id="{7E1C9C55-C49D-43C4-B869-CB83DD961014}"/>
               </a:ext>
             </a:extLst>
           </p:cNvPr>
@@ -714,7 +714,7 @@
           <p:cNvPr id="6" name="Marcador de número de diapositiva 5">
             <a:extLst>
               <a:ext uri="{FF2B5EF4-FFF2-40B4-BE49-F238E27FC236}">
-                <a16:creationId xmlns:a16="http://schemas.microsoft.com/office/drawing/2014/main" xmlns="" id="{F8D1ABF9-F30D-469B-9EBA-8C5343889101}"/>
+                <a16:creationId xmlns="" xmlns:a16="http://schemas.microsoft.com/office/drawing/2014/main" id="{F8D1ABF9-F30D-469B-9EBA-8C5343889101}"/>
               </a:ext>
             </a:extLst>
           </p:cNvPr>
@@ -773,7 +773,7 @@
           <p:cNvPr id="2" name="Título 1">
             <a:extLst>
               <a:ext uri="{FF2B5EF4-FFF2-40B4-BE49-F238E27FC236}">
-                <a16:creationId xmlns:a16="http://schemas.microsoft.com/office/drawing/2014/main" xmlns="" id="{F803642D-DC35-4F9A-A4C1-90C00931C844}"/>
+                <a16:creationId xmlns="" xmlns:a16="http://schemas.microsoft.com/office/drawing/2014/main" id="{F803642D-DC35-4F9A-A4C1-90C00931C844}"/>
               </a:ext>
             </a:extLst>
           </p:cNvPr>
@@ -802,7 +802,7 @@
           <p:cNvPr id="3" name="Marcador de contenido 2">
             <a:extLst>
               <a:ext uri="{FF2B5EF4-FFF2-40B4-BE49-F238E27FC236}">
-                <a16:creationId xmlns:a16="http://schemas.microsoft.com/office/drawing/2014/main" xmlns="" id="{992EB4FC-171B-4B40-84A0-6DE774D4BE07}"/>
+                <a16:creationId xmlns="" xmlns:a16="http://schemas.microsoft.com/office/drawing/2014/main" id="{992EB4FC-171B-4B40-84A0-6DE774D4BE07}"/>
               </a:ext>
             </a:extLst>
           </p:cNvPr>
@@ -860,7 +860,7 @@
           <p:cNvPr id="4" name="Marcador de fecha 3">
             <a:extLst>
               <a:ext uri="{FF2B5EF4-FFF2-40B4-BE49-F238E27FC236}">
-                <a16:creationId xmlns:a16="http://schemas.microsoft.com/office/drawing/2014/main" xmlns="" id="{B3516E81-6D51-40CF-8B3C-14BE1E3CEB36}"/>
+                <a16:creationId xmlns="" xmlns:a16="http://schemas.microsoft.com/office/drawing/2014/main" id="{B3516E81-6D51-40CF-8B3C-14BE1E3CEB36}"/>
               </a:ext>
             </a:extLst>
           </p:cNvPr>
@@ -889,7 +889,7 @@
           <p:cNvPr id="5" name="Marcador de pie de página 4">
             <a:extLst>
               <a:ext uri="{FF2B5EF4-FFF2-40B4-BE49-F238E27FC236}">
-                <a16:creationId xmlns:a16="http://schemas.microsoft.com/office/drawing/2014/main" xmlns="" id="{49DDA886-FFF9-4C87-A813-8755E787772B}"/>
+                <a16:creationId xmlns="" xmlns:a16="http://schemas.microsoft.com/office/drawing/2014/main" id="{49DDA886-FFF9-4C87-A813-8755E787772B}"/>
               </a:ext>
             </a:extLst>
           </p:cNvPr>
@@ -914,7 +914,7 @@
           <p:cNvPr id="6" name="Marcador de número de diapositiva 5">
             <a:extLst>
               <a:ext uri="{FF2B5EF4-FFF2-40B4-BE49-F238E27FC236}">
-                <a16:creationId xmlns:a16="http://schemas.microsoft.com/office/drawing/2014/main" xmlns="" id="{0B1C6ABA-8673-49FF-9DC4-7EDC84A9C5FB}"/>
+                <a16:creationId xmlns="" xmlns:a16="http://schemas.microsoft.com/office/drawing/2014/main" id="{0B1C6ABA-8673-49FF-9DC4-7EDC84A9C5FB}"/>
               </a:ext>
             </a:extLst>
           </p:cNvPr>
@@ -973,7 +973,7 @@
           <p:cNvPr id="2" name="Título 1">
             <a:extLst>
               <a:ext uri="{FF2B5EF4-FFF2-40B4-BE49-F238E27FC236}">
-                <a16:creationId xmlns:a16="http://schemas.microsoft.com/office/drawing/2014/main" xmlns="" id="{6D19CF0A-3DBA-4787-9B00-0488A0F901A6}"/>
+                <a16:creationId xmlns="" xmlns:a16="http://schemas.microsoft.com/office/drawing/2014/main" id="{6D19CF0A-3DBA-4787-9B00-0488A0F901A6}"/>
               </a:ext>
             </a:extLst>
           </p:cNvPr>
@@ -1011,7 +1011,7 @@
           <p:cNvPr id="3" name="Marcador de texto 2">
             <a:extLst>
               <a:ext uri="{FF2B5EF4-FFF2-40B4-BE49-F238E27FC236}">
-                <a16:creationId xmlns:a16="http://schemas.microsoft.com/office/drawing/2014/main" xmlns="" id="{430C04E7-2235-4E95-A383-EBDB7EE4ACCC}"/>
+                <a16:creationId xmlns="" xmlns:a16="http://schemas.microsoft.com/office/drawing/2014/main" id="{430C04E7-2235-4E95-A383-EBDB7EE4ACCC}"/>
               </a:ext>
             </a:extLst>
           </p:cNvPr>
@@ -1136,7 +1136,7 @@
           <p:cNvPr id="4" name="Marcador de fecha 3">
             <a:extLst>
               <a:ext uri="{FF2B5EF4-FFF2-40B4-BE49-F238E27FC236}">
-                <a16:creationId xmlns:a16="http://schemas.microsoft.com/office/drawing/2014/main" xmlns="" id="{338DC635-570D-48A2-8668-588417569DFA}"/>
+                <a16:creationId xmlns="" xmlns:a16="http://schemas.microsoft.com/office/drawing/2014/main" id="{338DC635-570D-48A2-8668-588417569DFA}"/>
               </a:ext>
             </a:extLst>
           </p:cNvPr>
@@ -1165,7 +1165,7 @@
           <p:cNvPr id="5" name="Marcador de pie de página 4">
             <a:extLst>
               <a:ext uri="{FF2B5EF4-FFF2-40B4-BE49-F238E27FC236}">
-                <a16:creationId xmlns:a16="http://schemas.microsoft.com/office/drawing/2014/main" xmlns="" id="{C8842F3E-0435-4B72-AEEB-A73F820D21E7}"/>
+                <a16:creationId xmlns="" xmlns:a16="http://schemas.microsoft.com/office/drawing/2014/main" id="{C8842F3E-0435-4B72-AEEB-A73F820D21E7}"/>
               </a:ext>
             </a:extLst>
           </p:cNvPr>
@@ -1190,7 +1190,7 @@
           <p:cNvPr id="6" name="Marcador de número de diapositiva 5">
             <a:extLst>
               <a:ext uri="{FF2B5EF4-FFF2-40B4-BE49-F238E27FC236}">
-                <a16:creationId xmlns:a16="http://schemas.microsoft.com/office/drawing/2014/main" xmlns="" id="{1860EA27-3078-48A4-8E8A-7591D2F22A80}"/>
+                <a16:creationId xmlns="" xmlns:a16="http://schemas.microsoft.com/office/drawing/2014/main" id="{1860EA27-3078-48A4-8E8A-7591D2F22A80}"/>
               </a:ext>
             </a:extLst>
           </p:cNvPr>
@@ -1249,7 +1249,7 @@
           <p:cNvPr id="2" name="Título 1">
             <a:extLst>
               <a:ext uri="{FF2B5EF4-FFF2-40B4-BE49-F238E27FC236}">
-                <a16:creationId xmlns:a16="http://schemas.microsoft.com/office/drawing/2014/main" xmlns="" id="{744E42EB-EF3B-429A-BE69-B6A1B7BF864C}"/>
+                <a16:creationId xmlns="" xmlns:a16="http://schemas.microsoft.com/office/drawing/2014/main" id="{744E42EB-EF3B-429A-BE69-B6A1B7BF864C}"/>
               </a:ext>
             </a:extLst>
           </p:cNvPr>
@@ -1278,7 +1278,7 @@
           <p:cNvPr id="3" name="Marcador de contenido 2">
             <a:extLst>
               <a:ext uri="{FF2B5EF4-FFF2-40B4-BE49-F238E27FC236}">
-                <a16:creationId xmlns:a16="http://schemas.microsoft.com/office/drawing/2014/main" xmlns="" id="{90E1B519-8292-4792-A023-D8411DB6B7BD}"/>
+                <a16:creationId xmlns="" xmlns:a16="http://schemas.microsoft.com/office/drawing/2014/main" id="{90E1B519-8292-4792-A023-D8411DB6B7BD}"/>
               </a:ext>
             </a:extLst>
           </p:cNvPr>
@@ -1341,7 +1341,7 @@
           <p:cNvPr id="4" name="Marcador de contenido 3">
             <a:extLst>
               <a:ext uri="{FF2B5EF4-FFF2-40B4-BE49-F238E27FC236}">
-                <a16:creationId xmlns:a16="http://schemas.microsoft.com/office/drawing/2014/main" xmlns="" id="{64ABD60D-D61D-421A-A7AE-0DC6A8B8F5C4}"/>
+                <a16:creationId xmlns="" xmlns:a16="http://schemas.microsoft.com/office/drawing/2014/main" id="{64ABD60D-D61D-421A-A7AE-0DC6A8B8F5C4}"/>
               </a:ext>
             </a:extLst>
           </p:cNvPr>
@@ -1404,7 +1404,7 @@
           <p:cNvPr id="5" name="Marcador de fecha 4">
             <a:extLst>
               <a:ext uri="{FF2B5EF4-FFF2-40B4-BE49-F238E27FC236}">
-                <a16:creationId xmlns:a16="http://schemas.microsoft.com/office/drawing/2014/main" xmlns="" id="{108DBB64-9C94-4750-AFFC-1CB3EEB396BD}"/>
+                <a16:creationId xmlns="" xmlns:a16="http://schemas.microsoft.com/office/drawing/2014/main" id="{108DBB64-9C94-4750-AFFC-1CB3EEB396BD}"/>
               </a:ext>
             </a:extLst>
           </p:cNvPr>
@@ -1433,7 +1433,7 @@
           <p:cNvPr id="6" name="Marcador de pie de página 5">
             <a:extLst>
               <a:ext uri="{FF2B5EF4-FFF2-40B4-BE49-F238E27FC236}">
-                <a16:creationId xmlns:a16="http://schemas.microsoft.com/office/drawing/2014/main" xmlns="" id="{9EF66B12-07F6-444A-B37F-21276FE6AAAA}"/>
+                <a16:creationId xmlns="" xmlns:a16="http://schemas.microsoft.com/office/drawing/2014/main" id="{9EF66B12-07F6-444A-B37F-21276FE6AAAA}"/>
               </a:ext>
             </a:extLst>
           </p:cNvPr>
@@ -1458,7 +1458,7 @@
           <p:cNvPr id="7" name="Marcador de número de diapositiva 6">
             <a:extLst>
               <a:ext uri="{FF2B5EF4-FFF2-40B4-BE49-F238E27FC236}">
-                <a16:creationId xmlns:a16="http://schemas.microsoft.com/office/drawing/2014/main" xmlns="" id="{5DE74CFC-8FBF-41D1-AF11-1CD2B5C92159}"/>
+                <a16:creationId xmlns="" xmlns:a16="http://schemas.microsoft.com/office/drawing/2014/main" id="{5DE74CFC-8FBF-41D1-AF11-1CD2B5C92159}"/>
               </a:ext>
             </a:extLst>
           </p:cNvPr>
@@ -1517,7 +1517,7 @@
           <p:cNvPr id="2" name="Título 1">
             <a:extLst>
               <a:ext uri="{FF2B5EF4-FFF2-40B4-BE49-F238E27FC236}">
-                <a16:creationId xmlns:a16="http://schemas.microsoft.com/office/drawing/2014/main" xmlns="" id="{D94DE4CD-0DD1-4CAC-9D60-D9B0A1248A0B}"/>
+                <a16:creationId xmlns="" xmlns:a16="http://schemas.microsoft.com/office/drawing/2014/main" id="{D94DE4CD-0DD1-4CAC-9D60-D9B0A1248A0B}"/>
               </a:ext>
             </a:extLst>
           </p:cNvPr>
@@ -1551,7 +1551,7 @@
           <p:cNvPr id="3" name="Marcador de texto 2">
             <a:extLst>
               <a:ext uri="{FF2B5EF4-FFF2-40B4-BE49-F238E27FC236}">
-                <a16:creationId xmlns:a16="http://schemas.microsoft.com/office/drawing/2014/main" xmlns="" id="{8F598ED4-38A2-4708-8827-8CB717913FEE}"/>
+                <a16:creationId xmlns="" xmlns:a16="http://schemas.microsoft.com/office/drawing/2014/main" id="{8F598ED4-38A2-4708-8827-8CB717913FEE}"/>
               </a:ext>
             </a:extLst>
           </p:cNvPr>
@@ -1622,7 +1622,7 @@
           <p:cNvPr id="4" name="Marcador de contenido 3">
             <a:extLst>
               <a:ext uri="{FF2B5EF4-FFF2-40B4-BE49-F238E27FC236}">
-                <a16:creationId xmlns:a16="http://schemas.microsoft.com/office/drawing/2014/main" xmlns="" id="{03303773-3009-4BC8-B2EB-2E9E7BA40DDB}"/>
+                <a16:creationId xmlns="" xmlns:a16="http://schemas.microsoft.com/office/drawing/2014/main" id="{03303773-3009-4BC8-B2EB-2E9E7BA40DDB}"/>
               </a:ext>
             </a:extLst>
           </p:cNvPr>
@@ -1685,7 +1685,7 @@
           <p:cNvPr id="5" name="Marcador de texto 4">
             <a:extLst>
               <a:ext uri="{FF2B5EF4-FFF2-40B4-BE49-F238E27FC236}">
-                <a16:creationId xmlns:a16="http://schemas.microsoft.com/office/drawing/2014/main" xmlns="" id="{F69D44D6-7233-43C6-A043-C5EA6D49169A}"/>
+                <a16:creationId xmlns="" xmlns:a16="http://schemas.microsoft.com/office/drawing/2014/main" id="{F69D44D6-7233-43C6-A043-C5EA6D49169A}"/>
               </a:ext>
             </a:extLst>
           </p:cNvPr>
@@ -1756,7 +1756,7 @@
           <p:cNvPr id="6" name="Marcador de contenido 5">
             <a:extLst>
               <a:ext uri="{FF2B5EF4-FFF2-40B4-BE49-F238E27FC236}">
-                <a16:creationId xmlns:a16="http://schemas.microsoft.com/office/drawing/2014/main" xmlns="" id="{38E5FC5C-F842-466A-BF1B-A40F75BC8666}"/>
+                <a16:creationId xmlns="" xmlns:a16="http://schemas.microsoft.com/office/drawing/2014/main" id="{38E5FC5C-F842-466A-BF1B-A40F75BC8666}"/>
               </a:ext>
             </a:extLst>
           </p:cNvPr>
@@ -1819,7 +1819,7 @@
           <p:cNvPr id="7" name="Marcador de fecha 6">
             <a:extLst>
               <a:ext uri="{FF2B5EF4-FFF2-40B4-BE49-F238E27FC236}">
-                <a16:creationId xmlns:a16="http://schemas.microsoft.com/office/drawing/2014/main" xmlns="" id="{C38262C8-313D-4586-9AF8-B49593EEBB25}"/>
+                <a16:creationId xmlns="" xmlns:a16="http://schemas.microsoft.com/office/drawing/2014/main" id="{C38262C8-313D-4586-9AF8-B49593EEBB25}"/>
               </a:ext>
             </a:extLst>
           </p:cNvPr>
@@ -1848,7 +1848,7 @@
           <p:cNvPr id="8" name="Marcador de pie de página 7">
             <a:extLst>
               <a:ext uri="{FF2B5EF4-FFF2-40B4-BE49-F238E27FC236}">
-                <a16:creationId xmlns:a16="http://schemas.microsoft.com/office/drawing/2014/main" xmlns="" id="{B1B7760F-C688-4FBF-9CCF-EEA903377F76}"/>
+                <a16:creationId xmlns="" xmlns:a16="http://schemas.microsoft.com/office/drawing/2014/main" id="{B1B7760F-C688-4FBF-9CCF-EEA903377F76}"/>
               </a:ext>
             </a:extLst>
           </p:cNvPr>
@@ -1873,7 +1873,7 @@
           <p:cNvPr id="9" name="Marcador de número de diapositiva 8">
             <a:extLst>
               <a:ext uri="{FF2B5EF4-FFF2-40B4-BE49-F238E27FC236}">
-                <a16:creationId xmlns:a16="http://schemas.microsoft.com/office/drawing/2014/main" xmlns="" id="{AAF17A8E-848E-4E2D-BE4D-6C997F7B2B07}"/>
+                <a16:creationId xmlns="" xmlns:a16="http://schemas.microsoft.com/office/drawing/2014/main" id="{AAF17A8E-848E-4E2D-BE4D-6C997F7B2B07}"/>
               </a:ext>
             </a:extLst>
           </p:cNvPr>
@@ -1932,7 +1932,7 @@
           <p:cNvPr id="2" name="Título 1">
             <a:extLst>
               <a:ext uri="{FF2B5EF4-FFF2-40B4-BE49-F238E27FC236}">
-                <a16:creationId xmlns:a16="http://schemas.microsoft.com/office/drawing/2014/main" xmlns="" id="{073AF9C6-4D73-47E5-96BF-6CCC209128BF}"/>
+                <a16:creationId xmlns="" xmlns:a16="http://schemas.microsoft.com/office/drawing/2014/main" id="{073AF9C6-4D73-47E5-96BF-6CCC209128BF}"/>
               </a:ext>
             </a:extLst>
           </p:cNvPr>
@@ -1961,7 +1961,7 @@
           <p:cNvPr id="3" name="Marcador de fecha 2">
             <a:extLst>
               <a:ext uri="{FF2B5EF4-FFF2-40B4-BE49-F238E27FC236}">
-                <a16:creationId xmlns:a16="http://schemas.microsoft.com/office/drawing/2014/main" xmlns="" id="{2C65790C-9C2B-400B-B25E-C08DB2012854}"/>
+                <a16:creationId xmlns="" xmlns:a16="http://schemas.microsoft.com/office/drawing/2014/main" id="{2C65790C-9C2B-400B-B25E-C08DB2012854}"/>
               </a:ext>
             </a:extLst>
           </p:cNvPr>
@@ -1990,7 +1990,7 @@
           <p:cNvPr id="4" name="Marcador de pie de página 3">
             <a:extLst>
               <a:ext uri="{FF2B5EF4-FFF2-40B4-BE49-F238E27FC236}">
-                <a16:creationId xmlns:a16="http://schemas.microsoft.com/office/drawing/2014/main" xmlns="" id="{42B33572-4CD0-4C36-807B-B4352C60E167}"/>
+                <a16:creationId xmlns="" xmlns:a16="http://schemas.microsoft.com/office/drawing/2014/main" id="{42B33572-4CD0-4C36-807B-B4352C60E167}"/>
               </a:ext>
             </a:extLst>
           </p:cNvPr>
@@ -2015,7 +2015,7 @@
           <p:cNvPr id="5" name="Marcador de número de diapositiva 4">
             <a:extLst>
               <a:ext uri="{FF2B5EF4-FFF2-40B4-BE49-F238E27FC236}">
-                <a16:creationId xmlns:a16="http://schemas.microsoft.com/office/drawing/2014/main" xmlns="" id="{97E7B58D-C70A-4A2C-AC83-FE0A5A1CBC62}"/>
+                <a16:creationId xmlns="" xmlns:a16="http://schemas.microsoft.com/office/drawing/2014/main" id="{97E7B58D-C70A-4A2C-AC83-FE0A5A1CBC62}"/>
               </a:ext>
             </a:extLst>
           </p:cNvPr>
@@ -2074,7 +2074,7 @@
           <p:cNvPr id="2" name="Marcador de fecha 1">
             <a:extLst>
               <a:ext uri="{FF2B5EF4-FFF2-40B4-BE49-F238E27FC236}">
-                <a16:creationId xmlns:a16="http://schemas.microsoft.com/office/drawing/2014/main" xmlns="" id="{F51FE709-FC03-48DE-9E97-5F58E03045C9}"/>
+                <a16:creationId xmlns="" xmlns:a16="http://schemas.microsoft.com/office/drawing/2014/main" id="{F51FE709-FC03-48DE-9E97-5F58E03045C9}"/>
               </a:ext>
             </a:extLst>
           </p:cNvPr>
@@ -2103,7 +2103,7 @@
           <p:cNvPr id="3" name="Marcador de pie de página 2">
             <a:extLst>
               <a:ext uri="{FF2B5EF4-FFF2-40B4-BE49-F238E27FC236}">
-                <a16:creationId xmlns:a16="http://schemas.microsoft.com/office/drawing/2014/main" xmlns="" id="{2A7AB0D3-0F72-4C72-A4CE-D84E328DC4E9}"/>
+                <a16:creationId xmlns="" xmlns:a16="http://schemas.microsoft.com/office/drawing/2014/main" id="{2A7AB0D3-0F72-4C72-A4CE-D84E328DC4E9}"/>
               </a:ext>
             </a:extLst>
           </p:cNvPr>
@@ -2128,7 +2128,7 @@
           <p:cNvPr id="4" name="Marcador de número de diapositiva 3">
             <a:extLst>
               <a:ext uri="{FF2B5EF4-FFF2-40B4-BE49-F238E27FC236}">
-                <a16:creationId xmlns:a16="http://schemas.microsoft.com/office/drawing/2014/main" xmlns="" id="{8141250C-C9FB-4151-BAA5-1E0176E270E1}"/>
+                <a16:creationId xmlns="" xmlns:a16="http://schemas.microsoft.com/office/drawing/2014/main" id="{8141250C-C9FB-4151-BAA5-1E0176E270E1}"/>
               </a:ext>
             </a:extLst>
           </p:cNvPr>
@@ -2187,7 +2187,7 @@
           <p:cNvPr id="2" name="Título 1">
             <a:extLst>
               <a:ext uri="{FF2B5EF4-FFF2-40B4-BE49-F238E27FC236}">
-                <a16:creationId xmlns:a16="http://schemas.microsoft.com/office/drawing/2014/main" xmlns="" id="{95D13E3E-0A5D-4D27-B707-A5A04F4D11B9}"/>
+                <a16:creationId xmlns="" xmlns:a16="http://schemas.microsoft.com/office/drawing/2014/main" id="{95D13E3E-0A5D-4D27-B707-A5A04F4D11B9}"/>
               </a:ext>
             </a:extLst>
           </p:cNvPr>
@@ -2225,7 +2225,7 @@
           <p:cNvPr id="3" name="Marcador de contenido 2">
             <a:extLst>
               <a:ext uri="{FF2B5EF4-FFF2-40B4-BE49-F238E27FC236}">
-                <a16:creationId xmlns:a16="http://schemas.microsoft.com/office/drawing/2014/main" xmlns="" id="{F390C02E-11D5-4A6D-A529-AA389C172D57}"/>
+                <a16:creationId xmlns="" xmlns:a16="http://schemas.microsoft.com/office/drawing/2014/main" id="{F390C02E-11D5-4A6D-A529-AA389C172D57}"/>
               </a:ext>
             </a:extLst>
           </p:cNvPr>
@@ -2316,7 +2316,7 @@
           <p:cNvPr id="4" name="Marcador de texto 3">
             <a:extLst>
               <a:ext uri="{FF2B5EF4-FFF2-40B4-BE49-F238E27FC236}">
-                <a16:creationId xmlns:a16="http://schemas.microsoft.com/office/drawing/2014/main" xmlns="" id="{0ECF5772-E1A4-40C2-BBE1-362C4AD35804}"/>
+                <a16:creationId xmlns="" xmlns:a16="http://schemas.microsoft.com/office/drawing/2014/main" id="{0ECF5772-E1A4-40C2-BBE1-362C4AD35804}"/>
               </a:ext>
             </a:extLst>
           </p:cNvPr>
@@ -2387,7 +2387,7 @@
           <p:cNvPr id="5" name="Marcador de fecha 4">
             <a:extLst>
               <a:ext uri="{FF2B5EF4-FFF2-40B4-BE49-F238E27FC236}">
-                <a16:creationId xmlns:a16="http://schemas.microsoft.com/office/drawing/2014/main" xmlns="" id="{494ECF6B-2A17-49C4-A960-FB180D024441}"/>
+                <a16:creationId xmlns="" xmlns:a16="http://schemas.microsoft.com/office/drawing/2014/main" id="{494ECF6B-2A17-49C4-A960-FB180D024441}"/>
               </a:ext>
             </a:extLst>
           </p:cNvPr>
@@ -2416,7 +2416,7 @@
           <p:cNvPr id="6" name="Marcador de pie de página 5">
             <a:extLst>
               <a:ext uri="{FF2B5EF4-FFF2-40B4-BE49-F238E27FC236}">
-                <a16:creationId xmlns:a16="http://schemas.microsoft.com/office/drawing/2014/main" xmlns="" id="{738B3B8F-3AA7-4E50-830A-99787A118BC6}"/>
+                <a16:creationId xmlns="" xmlns:a16="http://schemas.microsoft.com/office/drawing/2014/main" id="{738B3B8F-3AA7-4E50-830A-99787A118BC6}"/>
               </a:ext>
             </a:extLst>
           </p:cNvPr>
@@ -2441,7 +2441,7 @@
           <p:cNvPr id="7" name="Marcador de número de diapositiva 6">
             <a:extLst>
               <a:ext uri="{FF2B5EF4-FFF2-40B4-BE49-F238E27FC236}">
-                <a16:creationId xmlns:a16="http://schemas.microsoft.com/office/drawing/2014/main" xmlns="" id="{356BCFDD-A80E-44FB-B3CD-3C488F7483A5}"/>
+                <a16:creationId xmlns="" xmlns:a16="http://schemas.microsoft.com/office/drawing/2014/main" id="{356BCFDD-A80E-44FB-B3CD-3C488F7483A5}"/>
               </a:ext>
             </a:extLst>
           </p:cNvPr>
@@ -2500,7 +2500,7 @@
           <p:cNvPr id="2" name="Título 1">
             <a:extLst>
               <a:ext uri="{FF2B5EF4-FFF2-40B4-BE49-F238E27FC236}">
-                <a16:creationId xmlns:a16="http://schemas.microsoft.com/office/drawing/2014/main" xmlns="" id="{9F91D337-D223-4178-A0CF-42E0556F9EA1}"/>
+                <a16:creationId xmlns="" xmlns:a16="http://schemas.microsoft.com/office/drawing/2014/main" id="{9F91D337-D223-4178-A0CF-42E0556F9EA1}"/>
               </a:ext>
             </a:extLst>
           </p:cNvPr>
@@ -2538,7 +2538,7 @@
           <p:cNvPr id="3" name="Marcador de posición de imagen 2">
             <a:extLst>
               <a:ext uri="{FF2B5EF4-FFF2-40B4-BE49-F238E27FC236}">
-                <a16:creationId xmlns:a16="http://schemas.microsoft.com/office/drawing/2014/main" xmlns="" id="{FF576E99-DB36-48A0-82E1-A01D959AE3D1}"/>
+                <a16:creationId xmlns="" xmlns:a16="http://schemas.microsoft.com/office/drawing/2014/main" id="{FF576E99-DB36-48A0-82E1-A01D959AE3D1}"/>
               </a:ext>
             </a:extLst>
           </p:cNvPr>
@@ -2605,7 +2605,7 @@
           <p:cNvPr id="4" name="Marcador de texto 3">
             <a:extLst>
               <a:ext uri="{FF2B5EF4-FFF2-40B4-BE49-F238E27FC236}">
-                <a16:creationId xmlns:a16="http://schemas.microsoft.com/office/drawing/2014/main" xmlns="" id="{ED392837-DB53-48B7-B8CA-D612F3D4E209}"/>
+                <a16:creationId xmlns="" xmlns:a16="http://schemas.microsoft.com/office/drawing/2014/main" id="{ED392837-DB53-48B7-B8CA-D612F3D4E209}"/>
               </a:ext>
             </a:extLst>
           </p:cNvPr>
@@ -2676,7 +2676,7 @@
           <p:cNvPr id="5" name="Marcador de fecha 4">
             <a:extLst>
               <a:ext uri="{FF2B5EF4-FFF2-40B4-BE49-F238E27FC236}">
-                <a16:creationId xmlns:a16="http://schemas.microsoft.com/office/drawing/2014/main" xmlns="" id="{017871E9-7E1E-4E68-96D4-BB28188D0B18}"/>
+                <a16:creationId xmlns="" xmlns:a16="http://schemas.microsoft.com/office/drawing/2014/main" id="{017871E9-7E1E-4E68-96D4-BB28188D0B18}"/>
               </a:ext>
             </a:extLst>
           </p:cNvPr>
@@ -2705,7 +2705,7 @@
           <p:cNvPr id="6" name="Marcador de pie de página 5">
             <a:extLst>
               <a:ext uri="{FF2B5EF4-FFF2-40B4-BE49-F238E27FC236}">
-                <a16:creationId xmlns:a16="http://schemas.microsoft.com/office/drawing/2014/main" xmlns="" id="{BDEDB6B9-A2F8-4615-B5BC-38F755ED5BFC}"/>
+                <a16:creationId xmlns="" xmlns:a16="http://schemas.microsoft.com/office/drawing/2014/main" id="{BDEDB6B9-A2F8-4615-B5BC-38F755ED5BFC}"/>
               </a:ext>
             </a:extLst>
           </p:cNvPr>
@@ -2730,7 +2730,7 @@
           <p:cNvPr id="7" name="Marcador de número de diapositiva 6">
             <a:extLst>
               <a:ext uri="{FF2B5EF4-FFF2-40B4-BE49-F238E27FC236}">
-                <a16:creationId xmlns:a16="http://schemas.microsoft.com/office/drawing/2014/main" xmlns="" id="{AE370FE8-A92B-4C27-842C-C23095655689}"/>
+                <a16:creationId xmlns="" xmlns:a16="http://schemas.microsoft.com/office/drawing/2014/main" id="{AE370FE8-A92B-4C27-842C-C23095655689}"/>
               </a:ext>
             </a:extLst>
           </p:cNvPr>
@@ -2794,7 +2794,7 @@
           <p:cNvPr id="2" name="Marcador de título 1">
             <a:extLst>
               <a:ext uri="{FF2B5EF4-FFF2-40B4-BE49-F238E27FC236}">
-                <a16:creationId xmlns:a16="http://schemas.microsoft.com/office/drawing/2014/main" xmlns="" id="{A569521C-410F-4BAF-9F0D-F6D5423D33F4}"/>
+                <a16:creationId xmlns="" xmlns:a16="http://schemas.microsoft.com/office/drawing/2014/main" id="{A569521C-410F-4BAF-9F0D-F6D5423D33F4}"/>
               </a:ext>
             </a:extLst>
           </p:cNvPr>
@@ -2833,7 +2833,7 @@
           <p:cNvPr id="3" name="Marcador de texto 2">
             <a:extLst>
               <a:ext uri="{FF2B5EF4-FFF2-40B4-BE49-F238E27FC236}">
-                <a16:creationId xmlns:a16="http://schemas.microsoft.com/office/drawing/2014/main" xmlns="" id="{1CCEFC8F-AA08-4DB8-BC45-B3340234594F}"/>
+                <a16:creationId xmlns="" xmlns:a16="http://schemas.microsoft.com/office/drawing/2014/main" id="{1CCEFC8F-AA08-4DB8-BC45-B3340234594F}"/>
               </a:ext>
             </a:extLst>
           </p:cNvPr>
@@ -2901,7 +2901,7 @@
           <p:cNvPr id="4" name="Marcador de fecha 3">
             <a:extLst>
               <a:ext uri="{FF2B5EF4-FFF2-40B4-BE49-F238E27FC236}">
-                <a16:creationId xmlns:a16="http://schemas.microsoft.com/office/drawing/2014/main" xmlns="" id="{C0B8CF8B-FD51-42D0-AC37-9BEC3F3C221D}"/>
+                <a16:creationId xmlns="" xmlns:a16="http://schemas.microsoft.com/office/drawing/2014/main" id="{C0B8CF8B-FD51-42D0-AC37-9BEC3F3C221D}"/>
               </a:ext>
             </a:extLst>
           </p:cNvPr>
@@ -2948,7 +2948,7 @@
           <p:cNvPr id="5" name="Marcador de pie de página 4">
             <a:extLst>
               <a:ext uri="{FF2B5EF4-FFF2-40B4-BE49-F238E27FC236}">
-                <a16:creationId xmlns:a16="http://schemas.microsoft.com/office/drawing/2014/main" xmlns="" id="{2888AA0A-14BD-469C-AC17-FBFA4A20C985}"/>
+                <a16:creationId xmlns="" xmlns:a16="http://schemas.microsoft.com/office/drawing/2014/main" id="{2888AA0A-14BD-469C-AC17-FBFA4A20C985}"/>
               </a:ext>
             </a:extLst>
           </p:cNvPr>
@@ -2991,7 +2991,7 @@
           <p:cNvPr id="6" name="Marcador de número de diapositiva 5">
             <a:extLst>
               <a:ext uri="{FF2B5EF4-FFF2-40B4-BE49-F238E27FC236}">
-                <a16:creationId xmlns:a16="http://schemas.microsoft.com/office/drawing/2014/main" xmlns="" id="{48F328E2-3855-41B0-ABEC-53F77DCFA3CC}"/>
+                <a16:creationId xmlns="" xmlns:a16="http://schemas.microsoft.com/office/drawing/2014/main" id="{48F328E2-3855-41B0-ABEC-53F77DCFA3CC}"/>
               </a:ext>
             </a:extLst>
           </p:cNvPr>
@@ -3359,7 +3359,7 @@
           <p:cNvPr id="5" name="Imagen 4">
             <a:extLst>
               <a:ext uri="{FF2B5EF4-FFF2-40B4-BE49-F238E27FC236}">
-                <a16:creationId xmlns:a16="http://schemas.microsoft.com/office/drawing/2014/main" xmlns="" id="{AF6E98B3-5FA5-4631-9E3B-DE4B1588D13B}"/>
+                <a16:creationId xmlns="" xmlns:a16="http://schemas.microsoft.com/office/drawing/2014/main" id="{AF6E98B3-5FA5-4631-9E3B-DE4B1588D13B}"/>
               </a:ext>
             </a:extLst>
           </p:cNvPr>
@@ -3395,7 +3395,7 @@
           <p:cNvPr id="6" name="CuadroTexto 5">
             <a:extLst>
               <a:ext uri="{FF2B5EF4-FFF2-40B4-BE49-F238E27FC236}">
-                <a16:creationId xmlns:a16="http://schemas.microsoft.com/office/drawing/2014/main" xmlns="" id="{9A17841F-7A7C-4244-BC0C-5F1F35C664D7}"/>
+                <a16:creationId xmlns="" xmlns:a16="http://schemas.microsoft.com/office/drawing/2014/main" id="{9A17841F-7A7C-4244-BC0C-5F1F35C664D7}"/>
               </a:ext>
             </a:extLst>
           </p:cNvPr>
@@ -3432,7 +3432,7 @@
           <p:cNvPr id="7" name="CuadroTexto 6">
             <a:extLst>
               <a:ext uri="{FF2B5EF4-FFF2-40B4-BE49-F238E27FC236}">
-                <a16:creationId xmlns:a16="http://schemas.microsoft.com/office/drawing/2014/main" xmlns="" id="{51988E37-8886-4BC7-B0A5-BAAD8EA48D2C}"/>
+                <a16:creationId xmlns="" xmlns:a16="http://schemas.microsoft.com/office/drawing/2014/main" id="{51988E37-8886-4BC7-B0A5-BAAD8EA48D2C}"/>
               </a:ext>
             </a:extLst>
           </p:cNvPr>
@@ -3545,7 +3545,7 @@
           <p:cNvPr id="9" name="Imagen 8">
             <a:extLst>
               <a:ext uri="{FF2B5EF4-FFF2-40B4-BE49-F238E27FC236}">
-                <a16:creationId xmlns:a16="http://schemas.microsoft.com/office/drawing/2014/main" xmlns="" id="{0960A14A-ABFA-436F-9C55-6C70284EF390}"/>
+                <a16:creationId xmlns="" xmlns:a16="http://schemas.microsoft.com/office/drawing/2014/main" id="{0960A14A-ABFA-436F-9C55-6C70284EF390}"/>
               </a:ext>
             </a:extLst>
           </p:cNvPr>
@@ -3611,7 +3611,7 @@
           <p:cNvPr id="2" name="Título 1">
             <a:extLst>
               <a:ext uri="{FF2B5EF4-FFF2-40B4-BE49-F238E27FC236}">
-                <a16:creationId xmlns:a16="http://schemas.microsoft.com/office/drawing/2014/main" xmlns="" id="{167FAFD1-A6DE-4C54-9428-C1CAC1A24F92}"/>
+                <a16:creationId xmlns="" xmlns:a16="http://schemas.microsoft.com/office/drawing/2014/main" id="{167FAFD1-A6DE-4C54-9428-C1CAC1A24F92}"/>
               </a:ext>
             </a:extLst>
           </p:cNvPr>
@@ -3648,7 +3648,7 @@
           <p:cNvPr id="3" name="Marcador de contenido 2">
             <a:extLst>
               <a:ext uri="{FF2B5EF4-FFF2-40B4-BE49-F238E27FC236}">
-                <a16:creationId xmlns:a16="http://schemas.microsoft.com/office/drawing/2014/main" xmlns="" id="{2A87EE15-D1B4-4622-8635-31047F1D2931}"/>
+                <a16:creationId xmlns="" xmlns:a16="http://schemas.microsoft.com/office/drawing/2014/main" id="{2A87EE15-D1B4-4622-8635-31047F1D2931}"/>
               </a:ext>
             </a:extLst>
           </p:cNvPr>
@@ -3749,7 +3749,7 @@
           <p:cNvPr id="4" name="Imagen 3">
             <a:extLst>
               <a:ext uri="{FF2B5EF4-FFF2-40B4-BE49-F238E27FC236}">
-                <a16:creationId xmlns:a16="http://schemas.microsoft.com/office/drawing/2014/main" xmlns="" id="{A487B60E-13B1-45B6-B136-CFB482AC7931}"/>
+                <a16:creationId xmlns="" xmlns:a16="http://schemas.microsoft.com/office/drawing/2014/main" id="{A487B60E-13B1-45B6-B136-CFB482AC7931}"/>
               </a:ext>
             </a:extLst>
           </p:cNvPr>
@@ -3785,7 +3785,7 @@
           <p:cNvPr id="5" name="Imagen 4">
             <a:extLst>
               <a:ext uri="{FF2B5EF4-FFF2-40B4-BE49-F238E27FC236}">
-                <a16:creationId xmlns:a16="http://schemas.microsoft.com/office/drawing/2014/main" xmlns="" id="{0638B8EF-2A46-42CD-9892-B99E832CF038}"/>
+                <a16:creationId xmlns="" xmlns:a16="http://schemas.microsoft.com/office/drawing/2014/main" id="{0638B8EF-2A46-42CD-9892-B99E832CF038}"/>
               </a:ext>
             </a:extLst>
           </p:cNvPr>
@@ -3851,7 +3851,7 @@
           <p:cNvPr id="6" name="CuadroTexto 5">
             <a:extLst>
               <a:ext uri="{FF2B5EF4-FFF2-40B4-BE49-F238E27FC236}">
-                <a16:creationId xmlns:a16="http://schemas.microsoft.com/office/drawing/2014/main" xmlns="" id="{53005C5D-F5C9-40A0-9E0D-FE2E58607FE0}"/>
+                <a16:creationId xmlns="" xmlns:a16="http://schemas.microsoft.com/office/drawing/2014/main" id="{53005C5D-F5C9-40A0-9E0D-FE2E58607FE0}"/>
               </a:ext>
             </a:extLst>
           </p:cNvPr>
@@ -3888,7 +3888,7 @@
           <p:cNvPr id="8" name="Tabla 7">
             <a:extLst>
               <a:ext uri="{FF2B5EF4-FFF2-40B4-BE49-F238E27FC236}">
-                <a16:creationId xmlns:a16="http://schemas.microsoft.com/office/drawing/2014/main" xmlns="" id="{1D41C375-D8BA-47DB-904A-F5771C19BDF5}"/>
+                <a16:creationId xmlns="" xmlns:a16="http://schemas.microsoft.com/office/drawing/2014/main" id="{1D41C375-D8BA-47DB-904A-F5771C19BDF5}"/>
               </a:ext>
             </a:extLst>
           </p:cNvPr>
@@ -3917,14 +3917,14 @@
                 <a:gridCol w="2848463">
                   <a:extLst>
                     <a:ext uri="{9D8B030D-6E8A-4147-A177-3AD203B41FA5}">
-                      <a16:colId xmlns:a16="http://schemas.microsoft.com/office/drawing/2014/main" xmlns="" val="3237937378"/>
+                      <a16:colId xmlns="" xmlns:a16="http://schemas.microsoft.com/office/drawing/2014/main" val="3237937378"/>
                     </a:ext>
                   </a:extLst>
                 </a:gridCol>
                 <a:gridCol w="2984137">
                   <a:extLst>
                     <a:ext uri="{9D8B030D-6E8A-4147-A177-3AD203B41FA5}">
-                      <a16:colId xmlns:a16="http://schemas.microsoft.com/office/drawing/2014/main" xmlns="" val="3181257485"/>
+                      <a16:colId xmlns="" xmlns:a16="http://schemas.microsoft.com/office/drawing/2014/main" val="3181257485"/>
                     </a:ext>
                   </a:extLst>
                 </a:gridCol>
@@ -4084,7 +4084,7 @@
                 </a:tc>
                 <a:extLst>
                   <a:ext uri="{0D108BD9-81ED-4DB2-BD59-A6C34878D82A}">
-                    <a16:rowId xmlns:a16="http://schemas.microsoft.com/office/drawing/2014/main" xmlns="" val="1999389621"/>
+                    <a16:rowId xmlns="" xmlns:a16="http://schemas.microsoft.com/office/drawing/2014/main" val="1999389621"/>
                   </a:ext>
                 </a:extLst>
               </a:tr>
@@ -4254,7 +4254,7 @@
                 </a:tc>
                 <a:extLst>
                   <a:ext uri="{0D108BD9-81ED-4DB2-BD59-A6C34878D82A}">
-                    <a16:rowId xmlns:a16="http://schemas.microsoft.com/office/drawing/2014/main" xmlns="" val="4187174514"/>
+                    <a16:rowId xmlns="" xmlns:a16="http://schemas.microsoft.com/office/drawing/2014/main" val="4187174514"/>
                   </a:ext>
                 </a:extLst>
               </a:tr>
@@ -4414,7 +4414,7 @@
                 </a:tc>
                 <a:extLst>
                   <a:ext uri="{0D108BD9-81ED-4DB2-BD59-A6C34878D82A}">
-                    <a16:rowId xmlns:a16="http://schemas.microsoft.com/office/drawing/2014/main" xmlns="" val="3838852871"/>
+                    <a16:rowId xmlns="" xmlns:a16="http://schemas.microsoft.com/office/drawing/2014/main" val="3838852871"/>
                   </a:ext>
                 </a:extLst>
               </a:tr>
@@ -4574,7 +4574,7 @@
                 </a:tc>
                 <a:extLst>
                   <a:ext uri="{0D108BD9-81ED-4DB2-BD59-A6C34878D82A}">
-                    <a16:rowId xmlns:a16="http://schemas.microsoft.com/office/drawing/2014/main" xmlns="" val="3325575315"/>
+                    <a16:rowId xmlns="" xmlns:a16="http://schemas.microsoft.com/office/drawing/2014/main" val="3325575315"/>
                   </a:ext>
                 </a:extLst>
               </a:tr>
@@ -4734,7 +4734,7 @@
                 </a:tc>
                 <a:extLst>
                   <a:ext uri="{0D108BD9-81ED-4DB2-BD59-A6C34878D82A}">
-                    <a16:rowId xmlns:a16="http://schemas.microsoft.com/office/drawing/2014/main" xmlns="" val="2492968934"/>
+                    <a16:rowId xmlns="" xmlns:a16="http://schemas.microsoft.com/office/drawing/2014/main" val="2492968934"/>
                   </a:ext>
                 </a:extLst>
               </a:tr>
@@ -4894,7 +4894,7 @@
                 </a:tc>
                 <a:extLst>
                   <a:ext uri="{0D108BD9-81ED-4DB2-BD59-A6C34878D82A}">
-                    <a16:rowId xmlns:a16="http://schemas.microsoft.com/office/drawing/2014/main" xmlns="" val="4043079071"/>
+                    <a16:rowId xmlns="" xmlns:a16="http://schemas.microsoft.com/office/drawing/2014/main" val="4043079071"/>
                   </a:ext>
                 </a:extLst>
               </a:tr>
@@ -5054,7 +5054,7 @@
                 </a:tc>
                 <a:extLst>
                   <a:ext uri="{0D108BD9-81ED-4DB2-BD59-A6C34878D82A}">
-                    <a16:rowId xmlns:a16="http://schemas.microsoft.com/office/drawing/2014/main" xmlns="" val="343868810"/>
+                    <a16:rowId xmlns="" xmlns:a16="http://schemas.microsoft.com/office/drawing/2014/main" val="343868810"/>
                   </a:ext>
                 </a:extLst>
               </a:tr>
@@ -5067,7 +5067,7 @@
           <p:cNvPr id="9" name="Imagen 8">
             <a:extLst>
               <a:ext uri="{FF2B5EF4-FFF2-40B4-BE49-F238E27FC236}">
-                <a16:creationId xmlns:a16="http://schemas.microsoft.com/office/drawing/2014/main" xmlns="" id="{5A6CE3D6-FC3C-407B-8CA7-8E183AF69A57}"/>
+                <a16:creationId xmlns="" xmlns:a16="http://schemas.microsoft.com/office/drawing/2014/main" id="{5A6CE3D6-FC3C-407B-8CA7-8E183AF69A57}"/>
               </a:ext>
             </a:extLst>
           </p:cNvPr>
@@ -5103,7 +5103,7 @@
           <p:cNvPr id="10" name="Imagen 9">
             <a:extLst>
               <a:ext uri="{FF2B5EF4-FFF2-40B4-BE49-F238E27FC236}">
-                <a16:creationId xmlns:a16="http://schemas.microsoft.com/office/drawing/2014/main" xmlns="" id="{EC368EF5-CAAD-4274-9CE7-4B54E409C49A}"/>
+                <a16:creationId xmlns="" xmlns:a16="http://schemas.microsoft.com/office/drawing/2014/main" id="{EC368EF5-CAAD-4274-9CE7-4B54E409C49A}"/>
               </a:ext>
             </a:extLst>
           </p:cNvPr>
@@ -5169,7 +5169,7 @@
           <p:cNvPr id="2" name="Título 1">
             <a:extLst>
               <a:ext uri="{FF2B5EF4-FFF2-40B4-BE49-F238E27FC236}">
-                <a16:creationId xmlns:a16="http://schemas.microsoft.com/office/drawing/2014/main" xmlns="" id="{32C7BC0D-EA42-4505-A924-A170B51ED56B}"/>
+                <a16:creationId xmlns="" xmlns:a16="http://schemas.microsoft.com/office/drawing/2014/main" id="{32C7BC0D-EA42-4505-A924-A170B51ED56B}"/>
               </a:ext>
             </a:extLst>
           </p:cNvPr>
@@ -5209,7 +5209,7 @@
           <p:cNvPr id="3" name="Marcador de contenido 2">
             <a:extLst>
               <a:ext uri="{FF2B5EF4-FFF2-40B4-BE49-F238E27FC236}">
-                <a16:creationId xmlns:a16="http://schemas.microsoft.com/office/drawing/2014/main" xmlns="" id="{583F3768-2335-460A-AD49-5BF499C89628}"/>
+                <a16:creationId xmlns="" xmlns:a16="http://schemas.microsoft.com/office/drawing/2014/main" id="{583F3768-2335-460A-AD49-5BF499C89628}"/>
               </a:ext>
             </a:extLst>
           </p:cNvPr>
@@ -5251,7 +5251,7 @@
           <p:cNvPr id="4" name="Imagen 3">
             <a:extLst>
               <a:ext uri="{FF2B5EF4-FFF2-40B4-BE49-F238E27FC236}">
-                <a16:creationId xmlns:a16="http://schemas.microsoft.com/office/drawing/2014/main" xmlns="" id="{171C0F56-C65C-4550-96C4-742355C34797}"/>
+                <a16:creationId xmlns="" xmlns:a16="http://schemas.microsoft.com/office/drawing/2014/main" id="{171C0F56-C65C-4550-96C4-742355C34797}"/>
               </a:ext>
             </a:extLst>
           </p:cNvPr>
@@ -5287,7 +5287,7 @@
           <p:cNvPr id="5" name="Imagen 4">
             <a:extLst>
               <a:ext uri="{FF2B5EF4-FFF2-40B4-BE49-F238E27FC236}">
-                <a16:creationId xmlns:a16="http://schemas.microsoft.com/office/drawing/2014/main" xmlns="" id="{ACC1CE81-B5E4-47AB-93E8-0FEF4689A8E6}"/>
+                <a16:creationId xmlns="" xmlns:a16="http://schemas.microsoft.com/office/drawing/2014/main" id="{ACC1CE81-B5E4-47AB-93E8-0FEF4689A8E6}"/>
               </a:ext>
             </a:extLst>
           </p:cNvPr>
@@ -5323,7 +5323,7 @@
           <p:cNvPr id="6" name="Tabla 5">
             <a:extLst>
               <a:ext uri="{FF2B5EF4-FFF2-40B4-BE49-F238E27FC236}">
-                <a16:creationId xmlns:a16="http://schemas.microsoft.com/office/drawing/2014/main" xmlns="" id="{C8E58B75-5389-4D75-9D7B-D581F8EAF0CB}"/>
+                <a16:creationId xmlns="" xmlns:a16="http://schemas.microsoft.com/office/drawing/2014/main" id="{C8E58B75-5389-4D75-9D7B-D581F8EAF0CB}"/>
               </a:ext>
             </a:extLst>
           </p:cNvPr>
@@ -5352,21 +5352,21 @@
                 <a:gridCol w="4220723">
                   <a:extLst>
                     <a:ext uri="{9D8B030D-6E8A-4147-A177-3AD203B41FA5}">
-                      <a16:colId xmlns:a16="http://schemas.microsoft.com/office/drawing/2014/main" xmlns="" val="1685560356"/>
+                      <a16:colId xmlns="" xmlns:a16="http://schemas.microsoft.com/office/drawing/2014/main" val="1685560356"/>
                     </a:ext>
                   </a:extLst>
                 </a:gridCol>
                 <a:gridCol w="1912749">
                   <a:extLst>
                     <a:ext uri="{9D8B030D-6E8A-4147-A177-3AD203B41FA5}">
-                      <a16:colId xmlns:a16="http://schemas.microsoft.com/office/drawing/2014/main" xmlns="" val="2865951437"/>
+                      <a16:colId xmlns="" xmlns:a16="http://schemas.microsoft.com/office/drawing/2014/main" val="2865951437"/>
                     </a:ext>
                   </a:extLst>
                 </a:gridCol>
                 <a:gridCol w="1677849">
                   <a:extLst>
                     <a:ext uri="{9D8B030D-6E8A-4147-A177-3AD203B41FA5}">
-                      <a16:colId xmlns:a16="http://schemas.microsoft.com/office/drawing/2014/main" xmlns="" val="707014778"/>
+                      <a16:colId xmlns="" xmlns:a16="http://schemas.microsoft.com/office/drawing/2014/main" val="707014778"/>
                     </a:ext>
                   </a:extLst>
                 </a:gridCol>
@@ -5445,7 +5445,7 @@
                 </a:tc>
                 <a:extLst>
                   <a:ext uri="{0D108BD9-81ED-4DB2-BD59-A6C34878D82A}">
-                    <a16:rowId xmlns:a16="http://schemas.microsoft.com/office/drawing/2014/main" xmlns="" val="1019409501"/>
+                    <a16:rowId xmlns="" xmlns:a16="http://schemas.microsoft.com/office/drawing/2014/main" val="1019409501"/>
                   </a:ext>
                 </a:extLst>
               </a:tr>
@@ -5514,7 +5514,7 @@
                 </a:tc>
                 <a:extLst>
                   <a:ext uri="{0D108BD9-81ED-4DB2-BD59-A6C34878D82A}">
-                    <a16:rowId xmlns:a16="http://schemas.microsoft.com/office/drawing/2014/main" xmlns="" val="4160260432"/>
+                    <a16:rowId xmlns="" xmlns:a16="http://schemas.microsoft.com/office/drawing/2014/main" val="4160260432"/>
                   </a:ext>
                 </a:extLst>
               </a:tr>
@@ -5582,7 +5582,7 @@
                 </a:tc>
                 <a:extLst>
                   <a:ext uri="{0D108BD9-81ED-4DB2-BD59-A6C34878D82A}">
-                    <a16:rowId xmlns:a16="http://schemas.microsoft.com/office/drawing/2014/main" xmlns="" val="194511772"/>
+                    <a16:rowId xmlns="" xmlns:a16="http://schemas.microsoft.com/office/drawing/2014/main" val="194511772"/>
                   </a:ext>
                 </a:extLst>
               </a:tr>
@@ -5650,7 +5650,7 @@
                 </a:tc>
                 <a:extLst>
                   <a:ext uri="{0D108BD9-81ED-4DB2-BD59-A6C34878D82A}">
-                    <a16:rowId xmlns:a16="http://schemas.microsoft.com/office/drawing/2014/main" xmlns="" val="1975700800"/>
+                    <a16:rowId xmlns="" xmlns:a16="http://schemas.microsoft.com/office/drawing/2014/main" val="1975700800"/>
                   </a:ext>
                 </a:extLst>
               </a:tr>
@@ -5719,7 +5719,7 @@
                 </a:tc>
                 <a:extLst>
                   <a:ext uri="{0D108BD9-81ED-4DB2-BD59-A6C34878D82A}">
-                    <a16:rowId xmlns:a16="http://schemas.microsoft.com/office/drawing/2014/main" xmlns="" val="2364442937"/>
+                    <a16:rowId xmlns="" xmlns:a16="http://schemas.microsoft.com/office/drawing/2014/main" val="2364442937"/>
                   </a:ext>
                 </a:extLst>
               </a:tr>
@@ -5787,7 +5787,7 @@
                 </a:tc>
                 <a:extLst>
                   <a:ext uri="{0D108BD9-81ED-4DB2-BD59-A6C34878D82A}">
-                    <a16:rowId xmlns:a16="http://schemas.microsoft.com/office/drawing/2014/main" xmlns="" val="3820912008"/>
+                    <a16:rowId xmlns="" xmlns:a16="http://schemas.microsoft.com/office/drawing/2014/main" val="3820912008"/>
                   </a:ext>
                 </a:extLst>
               </a:tr>
@@ -5856,7 +5856,7 @@
                 </a:tc>
                 <a:extLst>
                   <a:ext uri="{0D108BD9-81ED-4DB2-BD59-A6C34878D82A}">
-                    <a16:rowId xmlns:a16="http://schemas.microsoft.com/office/drawing/2014/main" xmlns="" val="607270685"/>
+                    <a16:rowId xmlns="" xmlns:a16="http://schemas.microsoft.com/office/drawing/2014/main" val="607270685"/>
                   </a:ext>
                 </a:extLst>
               </a:tr>
@@ -5869,7 +5869,7 @@
           <p:cNvPr id="7" name="CuadroTexto 6">
             <a:extLst>
               <a:ext uri="{FF2B5EF4-FFF2-40B4-BE49-F238E27FC236}">
-                <a16:creationId xmlns:a16="http://schemas.microsoft.com/office/drawing/2014/main" xmlns="" id="{82DBACFD-9A7F-4EA1-8EF5-40657FCC5A66}"/>
+                <a16:creationId xmlns="" xmlns:a16="http://schemas.microsoft.com/office/drawing/2014/main" id="{82DBACFD-9A7F-4EA1-8EF5-40657FCC5A66}"/>
               </a:ext>
             </a:extLst>
           </p:cNvPr>
@@ -5951,7 +5951,7 @@
           <p:cNvPr id="2" name="Título 1">
             <a:extLst>
               <a:ext uri="{FF2B5EF4-FFF2-40B4-BE49-F238E27FC236}">
-                <a16:creationId xmlns:a16="http://schemas.microsoft.com/office/drawing/2014/main" xmlns="" id="{B2CE7079-73CD-4F11-B2A7-7F2B46569768}"/>
+                <a16:creationId xmlns="" xmlns:a16="http://schemas.microsoft.com/office/drawing/2014/main" id="{B2CE7079-73CD-4F11-B2A7-7F2B46569768}"/>
               </a:ext>
             </a:extLst>
           </p:cNvPr>
@@ -5988,7 +5988,7 @@
           <p:cNvPr id="3" name="Marcador de contenido 2">
             <a:extLst>
               <a:ext uri="{FF2B5EF4-FFF2-40B4-BE49-F238E27FC236}">
-                <a16:creationId xmlns:a16="http://schemas.microsoft.com/office/drawing/2014/main" xmlns="" id="{CAFDDFDC-4A07-4E0D-8D09-ED6053885E8F}"/>
+                <a16:creationId xmlns="" xmlns:a16="http://schemas.microsoft.com/office/drawing/2014/main" id="{CAFDDFDC-4A07-4E0D-8D09-ED6053885E8F}"/>
               </a:ext>
             </a:extLst>
           </p:cNvPr>
@@ -6024,7 +6024,7 @@
           <p:cNvPr id="5" name="Imagen 4">
             <a:extLst>
               <a:ext uri="{FF2B5EF4-FFF2-40B4-BE49-F238E27FC236}">
-                <a16:creationId xmlns:a16="http://schemas.microsoft.com/office/drawing/2014/main" xmlns="" id="{465963F1-86E2-47F3-9A41-7DA7AD654B0A}"/>
+                <a16:creationId xmlns="" xmlns:a16="http://schemas.microsoft.com/office/drawing/2014/main" id="{465963F1-86E2-47F3-9A41-7DA7AD654B0A}"/>
               </a:ext>
             </a:extLst>
           </p:cNvPr>
@@ -6060,7 +6060,7 @@
           <p:cNvPr id="6" name="Imagen 5">
             <a:extLst>
               <a:ext uri="{FF2B5EF4-FFF2-40B4-BE49-F238E27FC236}">
-                <a16:creationId xmlns:a16="http://schemas.microsoft.com/office/drawing/2014/main" xmlns="" id="{483C6177-D751-4D58-86A6-C1CFB376B2D4}"/>
+                <a16:creationId xmlns="" xmlns:a16="http://schemas.microsoft.com/office/drawing/2014/main" id="{483C6177-D751-4D58-86A6-C1CFB376B2D4}"/>
               </a:ext>
             </a:extLst>
           </p:cNvPr>
@@ -6096,7 +6096,7 @@
           <p:cNvPr id="7" name="Tabla 6">
             <a:extLst>
               <a:ext uri="{FF2B5EF4-FFF2-40B4-BE49-F238E27FC236}">
-                <a16:creationId xmlns:a16="http://schemas.microsoft.com/office/drawing/2014/main" xmlns="" id="{FA29C8FD-54B7-494D-8787-4634CBD4DC5A}"/>
+                <a16:creationId xmlns="" xmlns:a16="http://schemas.microsoft.com/office/drawing/2014/main" id="{FA29C8FD-54B7-494D-8787-4634CBD4DC5A}"/>
               </a:ext>
             </a:extLst>
           </p:cNvPr>
@@ -6125,21 +6125,21 @@
                 <a:gridCol w="4220723">
                   <a:extLst>
                     <a:ext uri="{9D8B030D-6E8A-4147-A177-3AD203B41FA5}">
-                      <a16:colId xmlns:a16="http://schemas.microsoft.com/office/drawing/2014/main" xmlns="" val="1685560356"/>
+                      <a16:colId xmlns="" xmlns:a16="http://schemas.microsoft.com/office/drawing/2014/main" val="1685560356"/>
                     </a:ext>
                   </a:extLst>
                 </a:gridCol>
                 <a:gridCol w="1912749">
                   <a:extLst>
                     <a:ext uri="{9D8B030D-6E8A-4147-A177-3AD203B41FA5}">
-                      <a16:colId xmlns:a16="http://schemas.microsoft.com/office/drawing/2014/main" xmlns="" val="2865951437"/>
+                      <a16:colId xmlns="" xmlns:a16="http://schemas.microsoft.com/office/drawing/2014/main" val="2865951437"/>
                     </a:ext>
                   </a:extLst>
                 </a:gridCol>
                 <a:gridCol w="1677849">
                   <a:extLst>
                     <a:ext uri="{9D8B030D-6E8A-4147-A177-3AD203B41FA5}">
-                      <a16:colId xmlns:a16="http://schemas.microsoft.com/office/drawing/2014/main" xmlns="" val="707014778"/>
+                      <a16:colId xmlns="" xmlns:a16="http://schemas.microsoft.com/office/drawing/2014/main" val="707014778"/>
                     </a:ext>
                   </a:extLst>
                 </a:gridCol>
@@ -6218,7 +6218,7 @@
                 </a:tc>
                 <a:extLst>
                   <a:ext uri="{0D108BD9-81ED-4DB2-BD59-A6C34878D82A}">
-                    <a16:rowId xmlns:a16="http://schemas.microsoft.com/office/drawing/2014/main" xmlns="" val="1019409501"/>
+                    <a16:rowId xmlns="" xmlns:a16="http://schemas.microsoft.com/office/drawing/2014/main" val="1019409501"/>
                   </a:ext>
                 </a:extLst>
               </a:tr>
@@ -6297,7 +6297,7 @@
                 </a:tc>
                 <a:extLst>
                   <a:ext uri="{0D108BD9-81ED-4DB2-BD59-A6C34878D82A}">
-                    <a16:rowId xmlns:a16="http://schemas.microsoft.com/office/drawing/2014/main" xmlns="" val="4160260432"/>
+                    <a16:rowId xmlns="" xmlns:a16="http://schemas.microsoft.com/office/drawing/2014/main" val="4160260432"/>
                   </a:ext>
                 </a:extLst>
               </a:tr>
@@ -6375,7 +6375,7 @@
                 </a:tc>
                 <a:extLst>
                   <a:ext uri="{0D108BD9-81ED-4DB2-BD59-A6C34878D82A}">
-                    <a16:rowId xmlns:a16="http://schemas.microsoft.com/office/drawing/2014/main" xmlns="" val="194511772"/>
+                    <a16:rowId xmlns="" xmlns:a16="http://schemas.microsoft.com/office/drawing/2014/main" val="194511772"/>
                   </a:ext>
                 </a:extLst>
               </a:tr>
@@ -6453,7 +6453,7 @@
                 </a:tc>
                 <a:extLst>
                   <a:ext uri="{0D108BD9-81ED-4DB2-BD59-A6C34878D82A}">
-                    <a16:rowId xmlns:a16="http://schemas.microsoft.com/office/drawing/2014/main" xmlns="" val="1975700800"/>
+                    <a16:rowId xmlns="" xmlns:a16="http://schemas.microsoft.com/office/drawing/2014/main" val="1975700800"/>
                   </a:ext>
                 </a:extLst>
               </a:tr>
@@ -6532,7 +6532,7 @@
                 </a:tc>
                 <a:extLst>
                   <a:ext uri="{0D108BD9-81ED-4DB2-BD59-A6C34878D82A}">
-                    <a16:rowId xmlns:a16="http://schemas.microsoft.com/office/drawing/2014/main" xmlns="" val="2364442937"/>
+                    <a16:rowId xmlns="" xmlns:a16="http://schemas.microsoft.com/office/drawing/2014/main" val="2364442937"/>
                   </a:ext>
                 </a:extLst>
               </a:tr>
@@ -6610,7 +6610,7 @@
                 </a:tc>
                 <a:extLst>
                   <a:ext uri="{0D108BD9-81ED-4DB2-BD59-A6C34878D82A}">
-                    <a16:rowId xmlns:a16="http://schemas.microsoft.com/office/drawing/2014/main" xmlns="" val="3820912008"/>
+                    <a16:rowId xmlns="" xmlns:a16="http://schemas.microsoft.com/office/drawing/2014/main" val="3820912008"/>
                   </a:ext>
                 </a:extLst>
               </a:tr>
@@ -6689,7 +6689,7 @@
                 </a:tc>
                 <a:extLst>
                   <a:ext uri="{0D108BD9-81ED-4DB2-BD59-A6C34878D82A}">
-                    <a16:rowId xmlns:a16="http://schemas.microsoft.com/office/drawing/2014/main" xmlns="" val="607270685"/>
+                    <a16:rowId xmlns="" xmlns:a16="http://schemas.microsoft.com/office/drawing/2014/main" val="607270685"/>
                   </a:ext>
                 </a:extLst>
               </a:tr>
@@ -6702,7 +6702,7 @@
           <p:cNvPr id="4" name="CuadroTexto 3">
             <a:extLst>
               <a:ext uri="{FF2B5EF4-FFF2-40B4-BE49-F238E27FC236}">
-                <a16:creationId xmlns:a16="http://schemas.microsoft.com/office/drawing/2014/main" xmlns="" id="{29968887-155D-436F-8AB6-41A6CEA21D67}"/>
+                <a16:creationId xmlns="" xmlns:a16="http://schemas.microsoft.com/office/drawing/2014/main" id="{29968887-155D-436F-8AB6-41A6CEA21D67}"/>
               </a:ext>
             </a:extLst>
           </p:cNvPr>
@@ -6732,11 +6732,7 @@
             </a:r>
             <a:r>
               <a:rPr lang="es-ES" dirty="0" smtClean="0"/>
-              <a:t>la estrategia</a:t>
-            </a:r>
-            <a:r>
-              <a:rPr lang="es-ES" dirty="0" smtClean="0"/>
-              <a:t> </a:t>
+              <a:t>la estrategia </a:t>
             </a:r>
             <a:r>
               <a:rPr lang="es-ES" dirty="0"/>
@@ -6788,7 +6784,7 @@
           <p:cNvPr id="2" name="Título 1">
             <a:extLst>
               <a:ext uri="{FF2B5EF4-FFF2-40B4-BE49-F238E27FC236}">
-                <a16:creationId xmlns:a16="http://schemas.microsoft.com/office/drawing/2014/main" xmlns="" id="{B2CE7079-73CD-4F11-B2A7-7F2B46569768}"/>
+                <a16:creationId xmlns="" xmlns:a16="http://schemas.microsoft.com/office/drawing/2014/main" id="{B2CE7079-73CD-4F11-B2A7-7F2B46569768}"/>
               </a:ext>
             </a:extLst>
           </p:cNvPr>
@@ -6825,7 +6821,7 @@
           <p:cNvPr id="3" name="Marcador de contenido 2">
             <a:extLst>
               <a:ext uri="{FF2B5EF4-FFF2-40B4-BE49-F238E27FC236}">
-                <a16:creationId xmlns:a16="http://schemas.microsoft.com/office/drawing/2014/main" xmlns="" id="{CAFDDFDC-4A07-4E0D-8D09-ED6053885E8F}"/>
+                <a16:creationId xmlns="" xmlns:a16="http://schemas.microsoft.com/office/drawing/2014/main" id="{CAFDDFDC-4A07-4E0D-8D09-ED6053885E8F}"/>
               </a:ext>
             </a:extLst>
           </p:cNvPr>
@@ -6861,7 +6857,7 @@
           <p:cNvPr id="5" name="Imagen 4">
             <a:extLst>
               <a:ext uri="{FF2B5EF4-FFF2-40B4-BE49-F238E27FC236}">
-                <a16:creationId xmlns:a16="http://schemas.microsoft.com/office/drawing/2014/main" xmlns="" id="{465963F1-86E2-47F3-9A41-7DA7AD654B0A}"/>
+                <a16:creationId xmlns="" xmlns:a16="http://schemas.microsoft.com/office/drawing/2014/main" id="{465963F1-86E2-47F3-9A41-7DA7AD654B0A}"/>
               </a:ext>
             </a:extLst>
           </p:cNvPr>
@@ -6897,7 +6893,7 @@
           <p:cNvPr id="6" name="Imagen 5">
             <a:extLst>
               <a:ext uri="{FF2B5EF4-FFF2-40B4-BE49-F238E27FC236}">
-                <a16:creationId xmlns:a16="http://schemas.microsoft.com/office/drawing/2014/main" xmlns="" id="{483C6177-D751-4D58-86A6-C1CFB376B2D4}"/>
+                <a16:creationId xmlns="" xmlns:a16="http://schemas.microsoft.com/office/drawing/2014/main" id="{483C6177-D751-4D58-86A6-C1CFB376B2D4}"/>
               </a:ext>
             </a:extLst>
           </p:cNvPr>
@@ -6933,7 +6929,7 @@
           <p:cNvPr id="7" name="Tabla 6">
             <a:extLst>
               <a:ext uri="{FF2B5EF4-FFF2-40B4-BE49-F238E27FC236}">
-                <a16:creationId xmlns:a16="http://schemas.microsoft.com/office/drawing/2014/main" xmlns="" id="{FA29C8FD-54B7-494D-8787-4634CBD4DC5A}"/>
+                <a16:creationId xmlns="" xmlns:a16="http://schemas.microsoft.com/office/drawing/2014/main" id="{FA29C8FD-54B7-494D-8787-4634CBD4DC5A}"/>
               </a:ext>
             </a:extLst>
           </p:cNvPr>
@@ -6962,21 +6958,21 @@
                 <a:gridCol w="4220723">
                   <a:extLst>
                     <a:ext uri="{9D8B030D-6E8A-4147-A177-3AD203B41FA5}">
-                      <a16:colId xmlns:a16="http://schemas.microsoft.com/office/drawing/2014/main" xmlns="" val="1685560356"/>
+                      <a16:colId xmlns="" xmlns:a16="http://schemas.microsoft.com/office/drawing/2014/main" val="1685560356"/>
                     </a:ext>
                   </a:extLst>
                 </a:gridCol>
                 <a:gridCol w="1174750">
                   <a:extLst>
                     <a:ext uri="{9D8B030D-6E8A-4147-A177-3AD203B41FA5}">
-                      <a16:colId xmlns:a16="http://schemas.microsoft.com/office/drawing/2014/main" xmlns="" val="2865951437"/>
+                      <a16:colId xmlns="" xmlns:a16="http://schemas.microsoft.com/office/drawing/2014/main" val="2865951437"/>
                     </a:ext>
                   </a:extLst>
                 </a:gridCol>
                 <a:gridCol w="1677849">
                   <a:extLst>
                     <a:ext uri="{9D8B030D-6E8A-4147-A177-3AD203B41FA5}">
-                      <a16:colId xmlns:a16="http://schemas.microsoft.com/office/drawing/2014/main" xmlns="" val="707014778"/>
+                      <a16:colId xmlns="" xmlns:a16="http://schemas.microsoft.com/office/drawing/2014/main" val="707014778"/>
                     </a:ext>
                   </a:extLst>
                 </a:gridCol>
@@ -7055,7 +7051,7 @@
                 </a:tc>
                 <a:extLst>
                   <a:ext uri="{0D108BD9-81ED-4DB2-BD59-A6C34878D82A}">
-                    <a16:rowId xmlns:a16="http://schemas.microsoft.com/office/drawing/2014/main" xmlns="" val="1019409501"/>
+                    <a16:rowId xmlns="" xmlns:a16="http://schemas.microsoft.com/office/drawing/2014/main" val="1019409501"/>
                   </a:ext>
                 </a:extLst>
               </a:tr>
@@ -7124,7 +7120,7 @@
                 </a:tc>
                 <a:extLst>
                   <a:ext uri="{0D108BD9-81ED-4DB2-BD59-A6C34878D82A}">
-                    <a16:rowId xmlns:a16="http://schemas.microsoft.com/office/drawing/2014/main" xmlns="" val="4160260432"/>
+                    <a16:rowId xmlns="" xmlns:a16="http://schemas.microsoft.com/office/drawing/2014/main" val="4160260432"/>
                   </a:ext>
                 </a:extLst>
               </a:tr>
@@ -7192,7 +7188,7 @@
                 </a:tc>
                 <a:extLst>
                   <a:ext uri="{0D108BD9-81ED-4DB2-BD59-A6C34878D82A}">
-                    <a16:rowId xmlns:a16="http://schemas.microsoft.com/office/drawing/2014/main" xmlns="" val="194511772"/>
+                    <a16:rowId xmlns="" xmlns:a16="http://schemas.microsoft.com/office/drawing/2014/main" val="194511772"/>
                   </a:ext>
                 </a:extLst>
               </a:tr>
@@ -7260,7 +7256,7 @@
                 </a:tc>
                 <a:extLst>
                   <a:ext uri="{0D108BD9-81ED-4DB2-BD59-A6C34878D82A}">
-                    <a16:rowId xmlns:a16="http://schemas.microsoft.com/office/drawing/2014/main" xmlns="" val="1975700800"/>
+                    <a16:rowId xmlns="" xmlns:a16="http://schemas.microsoft.com/office/drawing/2014/main" val="1975700800"/>
                   </a:ext>
                 </a:extLst>
               </a:tr>
@@ -7329,7 +7325,7 @@
                 </a:tc>
                 <a:extLst>
                   <a:ext uri="{0D108BD9-81ED-4DB2-BD59-A6C34878D82A}">
-                    <a16:rowId xmlns:a16="http://schemas.microsoft.com/office/drawing/2014/main" xmlns="" val="2364442937"/>
+                    <a16:rowId xmlns="" xmlns:a16="http://schemas.microsoft.com/office/drawing/2014/main" val="2364442937"/>
                   </a:ext>
                 </a:extLst>
               </a:tr>
@@ -7397,7 +7393,7 @@
                 </a:tc>
                 <a:extLst>
                   <a:ext uri="{0D108BD9-81ED-4DB2-BD59-A6C34878D82A}">
-                    <a16:rowId xmlns:a16="http://schemas.microsoft.com/office/drawing/2014/main" xmlns="" val="3820912008"/>
+                    <a16:rowId xmlns="" xmlns:a16="http://schemas.microsoft.com/office/drawing/2014/main" val="3820912008"/>
                   </a:ext>
                 </a:extLst>
               </a:tr>
@@ -7466,7 +7462,7 @@
                 </a:tc>
                 <a:extLst>
                   <a:ext uri="{0D108BD9-81ED-4DB2-BD59-A6C34878D82A}">
-                    <a16:rowId xmlns:a16="http://schemas.microsoft.com/office/drawing/2014/main" xmlns="" val="607270685"/>
+                    <a16:rowId xmlns="" xmlns:a16="http://schemas.microsoft.com/office/drawing/2014/main" val="607270685"/>
                   </a:ext>
                 </a:extLst>
               </a:tr>
@@ -7479,7 +7475,7 @@
           <p:cNvPr id="8" name="Tabla 7">
             <a:extLst>
               <a:ext uri="{FF2B5EF4-FFF2-40B4-BE49-F238E27FC236}">
-                <a16:creationId xmlns:a16="http://schemas.microsoft.com/office/drawing/2014/main" xmlns="" id="{80EBB5EF-43D5-4380-96F3-556B839BCFBC}"/>
+                <a16:creationId xmlns="" xmlns:a16="http://schemas.microsoft.com/office/drawing/2014/main" id="{80EBB5EF-43D5-4380-96F3-556B839BCFBC}"/>
               </a:ext>
             </a:extLst>
           </p:cNvPr>
@@ -7508,7 +7504,7 @@
                 <a:gridCol w="1677849">
                   <a:extLst>
                     <a:ext uri="{9D8B030D-6E8A-4147-A177-3AD203B41FA5}">
-                      <a16:colId xmlns:a16="http://schemas.microsoft.com/office/drawing/2014/main" xmlns="" val="2447602950"/>
+                      <a16:colId xmlns="" xmlns:a16="http://schemas.microsoft.com/office/drawing/2014/main" val="2447602950"/>
                     </a:ext>
                   </a:extLst>
                 </a:gridCol>
@@ -7547,7 +7543,7 @@
                 </a:tc>
                 <a:extLst>
                   <a:ext uri="{0D108BD9-81ED-4DB2-BD59-A6C34878D82A}">
-                    <a16:rowId xmlns:a16="http://schemas.microsoft.com/office/drawing/2014/main" xmlns="" val="3823065717"/>
+                    <a16:rowId xmlns="" xmlns:a16="http://schemas.microsoft.com/office/drawing/2014/main" val="3823065717"/>
                   </a:ext>
                 </a:extLst>
               </a:tr>
@@ -7576,7 +7572,7 @@
                 </a:tc>
                 <a:extLst>
                   <a:ext uri="{0D108BD9-81ED-4DB2-BD59-A6C34878D82A}">
-                    <a16:rowId xmlns:a16="http://schemas.microsoft.com/office/drawing/2014/main" xmlns="" val="3105815714"/>
+                    <a16:rowId xmlns="" xmlns:a16="http://schemas.microsoft.com/office/drawing/2014/main" val="3105815714"/>
                   </a:ext>
                 </a:extLst>
               </a:tr>
@@ -7614,7 +7610,7 @@
                 </a:tc>
                 <a:extLst>
                   <a:ext uri="{0D108BD9-81ED-4DB2-BD59-A6C34878D82A}">
-                    <a16:rowId xmlns:a16="http://schemas.microsoft.com/office/drawing/2014/main" xmlns="" val="552848141"/>
+                    <a16:rowId xmlns="" xmlns:a16="http://schemas.microsoft.com/office/drawing/2014/main" val="552848141"/>
                   </a:ext>
                 </a:extLst>
               </a:tr>
@@ -7652,7 +7648,7 @@
                 </a:tc>
                 <a:extLst>
                   <a:ext uri="{0D108BD9-81ED-4DB2-BD59-A6C34878D82A}">
-                    <a16:rowId xmlns:a16="http://schemas.microsoft.com/office/drawing/2014/main" xmlns="" val="4038362865"/>
+                    <a16:rowId xmlns="" xmlns:a16="http://schemas.microsoft.com/office/drawing/2014/main" val="4038362865"/>
                   </a:ext>
                 </a:extLst>
               </a:tr>
@@ -7690,7 +7686,7 @@
                 </a:tc>
                 <a:extLst>
                   <a:ext uri="{0D108BD9-81ED-4DB2-BD59-A6C34878D82A}">
-                    <a16:rowId xmlns:a16="http://schemas.microsoft.com/office/drawing/2014/main" xmlns="" val="401307551"/>
+                    <a16:rowId xmlns="" xmlns:a16="http://schemas.microsoft.com/office/drawing/2014/main" val="401307551"/>
                   </a:ext>
                 </a:extLst>
               </a:tr>
@@ -7728,7 +7724,7 @@
                 </a:tc>
                 <a:extLst>
                   <a:ext uri="{0D108BD9-81ED-4DB2-BD59-A6C34878D82A}">
-                    <a16:rowId xmlns:a16="http://schemas.microsoft.com/office/drawing/2014/main" xmlns="" val="3340644261"/>
+                    <a16:rowId xmlns="" xmlns:a16="http://schemas.microsoft.com/office/drawing/2014/main" val="3340644261"/>
                   </a:ext>
                 </a:extLst>
               </a:tr>
@@ -7766,7 +7762,7 @@
                 </a:tc>
                 <a:extLst>
                   <a:ext uri="{0D108BD9-81ED-4DB2-BD59-A6C34878D82A}">
-                    <a16:rowId xmlns:a16="http://schemas.microsoft.com/office/drawing/2014/main" xmlns="" val="151242151"/>
+                    <a16:rowId xmlns="" xmlns:a16="http://schemas.microsoft.com/office/drawing/2014/main" val="151242151"/>
                   </a:ext>
                 </a:extLst>
               </a:tr>
@@ -7809,7 +7805,7 @@
           <p:cNvPr id="2" name="Título 1">
             <a:extLst>
               <a:ext uri="{FF2B5EF4-FFF2-40B4-BE49-F238E27FC236}">
-                <a16:creationId xmlns:a16="http://schemas.microsoft.com/office/drawing/2014/main" xmlns="" id="{B2CE7079-73CD-4F11-B2A7-7F2B46569768}"/>
+                <a16:creationId xmlns="" xmlns:a16="http://schemas.microsoft.com/office/drawing/2014/main" id="{B2CE7079-73CD-4F11-B2A7-7F2B46569768}"/>
               </a:ext>
             </a:extLst>
           </p:cNvPr>
@@ -7846,7 +7842,7 @@
           <p:cNvPr id="3" name="Marcador de contenido 2">
             <a:extLst>
               <a:ext uri="{FF2B5EF4-FFF2-40B4-BE49-F238E27FC236}">
-                <a16:creationId xmlns:a16="http://schemas.microsoft.com/office/drawing/2014/main" xmlns="" id="{CAFDDFDC-4A07-4E0D-8D09-ED6053885E8F}"/>
+                <a16:creationId xmlns="" xmlns:a16="http://schemas.microsoft.com/office/drawing/2014/main" id="{CAFDDFDC-4A07-4E0D-8D09-ED6053885E8F}"/>
               </a:ext>
             </a:extLst>
           </p:cNvPr>
@@ -7873,11 +7869,7 @@
             </a:r>
             <a:r>
               <a:rPr lang="es-CO" dirty="0" smtClean="0"/>
-              <a:t>la diferencia en tiempo</a:t>
-            </a:r>
-            <a:r>
-              <a:rPr lang="es-CO" dirty="0" smtClean="0"/>
-              <a:t> </a:t>
+              <a:t>la diferencia en tiempo </a:t>
             </a:r>
             <a:r>
               <a:rPr lang="es-CO" dirty="0"/>
@@ -7885,11 +7877,7 @@
             </a:r>
             <a:r>
               <a:rPr lang="es-CO" dirty="0" smtClean="0"/>
-              <a:t>calculó</a:t>
-            </a:r>
-            <a:r>
-              <a:rPr lang="es-CO" dirty="0" smtClean="0"/>
-              <a:t> por </a:t>
+              <a:t>calculó por </a:t>
             </a:r>
             <a:r>
               <a:rPr lang="es-CO" dirty="0"/>
@@ -7906,7 +7894,7 @@
           <p:cNvPr id="5" name="Imagen 4">
             <a:extLst>
               <a:ext uri="{FF2B5EF4-FFF2-40B4-BE49-F238E27FC236}">
-                <a16:creationId xmlns:a16="http://schemas.microsoft.com/office/drawing/2014/main" xmlns="" id="{465963F1-86E2-47F3-9A41-7DA7AD654B0A}"/>
+                <a16:creationId xmlns="" xmlns:a16="http://schemas.microsoft.com/office/drawing/2014/main" id="{465963F1-86E2-47F3-9A41-7DA7AD654B0A}"/>
               </a:ext>
             </a:extLst>
           </p:cNvPr>
@@ -7942,7 +7930,7 @@
           <p:cNvPr id="6" name="Imagen 5">
             <a:extLst>
               <a:ext uri="{FF2B5EF4-FFF2-40B4-BE49-F238E27FC236}">
-                <a16:creationId xmlns:a16="http://schemas.microsoft.com/office/drawing/2014/main" xmlns="" id="{483C6177-D751-4D58-86A6-C1CFB376B2D4}"/>
+                <a16:creationId xmlns="" xmlns:a16="http://schemas.microsoft.com/office/drawing/2014/main" id="{483C6177-D751-4D58-86A6-C1CFB376B2D4}"/>
               </a:ext>
             </a:extLst>
           </p:cNvPr>
@@ -8928,7 +8916,7 @@
           <p:cNvPr id="2" name="Título 1">
             <a:extLst>
               <a:ext uri="{FF2B5EF4-FFF2-40B4-BE49-F238E27FC236}">
-                <a16:creationId xmlns:a16="http://schemas.microsoft.com/office/drawing/2014/main" xmlns="" id="{B2CE7079-73CD-4F11-B2A7-7F2B46569768}"/>
+                <a16:creationId xmlns="" xmlns:a16="http://schemas.microsoft.com/office/drawing/2014/main" id="{B2CE7079-73CD-4F11-B2A7-7F2B46569768}"/>
               </a:ext>
             </a:extLst>
           </p:cNvPr>
@@ -8963,7 +8951,7 @@
           <p:cNvPr id="3" name="Marcador de contenido 2">
             <a:extLst>
               <a:ext uri="{FF2B5EF4-FFF2-40B4-BE49-F238E27FC236}">
-                <a16:creationId xmlns:a16="http://schemas.microsoft.com/office/drawing/2014/main" xmlns="" id="{CAFDDFDC-4A07-4E0D-8D09-ED6053885E8F}"/>
+                <a16:creationId xmlns="" xmlns:a16="http://schemas.microsoft.com/office/drawing/2014/main" id="{CAFDDFDC-4A07-4E0D-8D09-ED6053885E8F}"/>
               </a:ext>
             </a:extLst>
           </p:cNvPr>
@@ -8981,7 +8969,9 @@
           </a:xfrm>
         </p:spPr>
         <p:txBody>
-          <a:bodyPr/>
+          <a:bodyPr>
+            <a:normAutofit fontScale="92500" lnSpcReduction="10000"/>
+          </a:bodyPr>
           <a:lstStyle/>
           <a:p>
             <a:pPr algn="just"/>
@@ -9012,16 +9002,32 @@
             </a:r>
             <a:r>
               <a:rPr lang="es-CO" dirty="0" smtClean="0"/>
-              <a:t>mayor</a:t>
+              <a:t>mayor </a:t>
+            </a:r>
+            <a:r>
+              <a:rPr lang="es-CO" dirty="0"/>
+              <a:t>al tiempo estimado total</a:t>
             </a:r>
             <a:r>
               <a:rPr lang="es-CO" dirty="0" smtClean="0"/>
-              <a:t> </a:t>
-            </a:r>
-            <a:r>
-              <a:rPr lang="es-CO" dirty="0"/>
-              <a:t>al tiempo estimado total.</a:t>
-            </a:r>
+              <a:t>.</a:t>
+            </a:r>
+          </a:p>
+          <a:p>
+            <a:pPr algn="just"/>
+            <a:r>
+              <a:rPr lang="es-CO" dirty="0" smtClean="0"/>
+              <a:t>Se planeo realizar 11 plantillas, 6 </a:t>
+            </a:r>
+            <a:r>
+              <a:rPr lang="es-CO" dirty="0" err="1" smtClean="0"/>
+              <a:t>bitacoras</a:t>
+            </a:r>
+            <a:r>
+              <a:rPr lang="es-CO" dirty="0" smtClean="0"/>
+              <a:t> , script , acta de reunión , control de asignaciones , maestro de documentos, informe semanal y 3 productos finales; Para un total de 25 archivos subidos a la plataforma en tu totalidad.</a:t>
+            </a:r>
+            <a:endParaRPr lang="es-CO" dirty="0"/>
           </a:p>
         </p:txBody>
       </p:sp>
@@ -9030,7 +9036,7 @@
           <p:cNvPr id="5" name="Imagen 4">
             <a:extLst>
               <a:ext uri="{FF2B5EF4-FFF2-40B4-BE49-F238E27FC236}">
-                <a16:creationId xmlns:a16="http://schemas.microsoft.com/office/drawing/2014/main" xmlns="" id="{465963F1-86E2-47F3-9A41-7DA7AD654B0A}"/>
+                <a16:creationId xmlns="" xmlns:a16="http://schemas.microsoft.com/office/drawing/2014/main" id="{465963F1-86E2-47F3-9A41-7DA7AD654B0A}"/>
               </a:ext>
             </a:extLst>
           </p:cNvPr>
@@ -9066,7 +9072,7 @@
           <p:cNvPr id="6" name="Imagen 5">
             <a:extLst>
               <a:ext uri="{FF2B5EF4-FFF2-40B4-BE49-F238E27FC236}">
-                <a16:creationId xmlns:a16="http://schemas.microsoft.com/office/drawing/2014/main" xmlns="" id="{483C6177-D751-4D58-86A6-C1CFB376B2D4}"/>
+                <a16:creationId xmlns="" xmlns:a16="http://schemas.microsoft.com/office/drawing/2014/main" id="{483C6177-D751-4D58-86A6-C1CFB376B2D4}"/>
               </a:ext>
             </a:extLst>
           </p:cNvPr>
@@ -9399,7 +9405,7 @@
   <a:extraClrSchemeLst/>
   <a:extLst>
     <a:ext uri="{05A4C25C-085E-4340-85A3-A5531E510DB2}">
-      <thm15:themeFamily xmlns:thm15="http://schemas.microsoft.com/office/thememl/2012/main" xmlns="" name="Office Theme" id="{62F939B6-93AF-4DB8-9C6B-D6C7DFDC589F}" vid="{4A3C46E8-61CC-4603-A589-7422A47A8E4A}"/>
+      <thm15:themeFamily xmlns="" xmlns:thm15="http://schemas.microsoft.com/office/thememl/2012/main" name="Office Theme" id="{62F939B6-93AF-4DB8-9C6B-D6C7DFDC589F}" vid="{4A3C46E8-61CC-4603-A589-7422A47A8E4A}"/>
     </a:ext>
   </a:extLst>
 </a:theme>
